--- a/Documentation/A2A_MCP_Sentiment_Executive_Summary_AI_Background.pptx
+++ b/Documentation/A2A_MCP_Sentiment_Executive_Summary_AI_Background.pptx
@@ -20,30 +20,31 @@
     <p:sldId id="265" r:id="rId16"/>
     <p:sldId id="266" r:id="rId17"/>
     <p:sldId id="267" r:id="rId18"/>
+    <p:sldId id="268" r:id="rId19"/>
   </p:sldIdLst>
   <p:sldSz cy="6858000" cx="9144000"/>
   <p:notesSz cx="6858000" cy="9144000"/>
   <p:embeddedFontLst>
     <p:embeddedFont>
       <p:font typeface="Nunito"/>
-      <p:regular r:id="rId19"/>
-      <p:bold r:id="rId20"/>
-      <p:italic r:id="rId21"/>
-      <p:boldItalic r:id="rId22"/>
+      <p:regular r:id="rId20"/>
+      <p:bold r:id="rId21"/>
+      <p:italic r:id="rId22"/>
+      <p:boldItalic r:id="rId23"/>
     </p:embeddedFont>
     <p:embeddedFont>
       <p:font typeface="Quattrocento Sans"/>
-      <p:regular r:id="rId23"/>
-      <p:bold r:id="rId24"/>
-      <p:italic r:id="rId25"/>
-      <p:boldItalic r:id="rId26"/>
+      <p:regular r:id="rId24"/>
+      <p:bold r:id="rId25"/>
+      <p:italic r:id="rId26"/>
+      <p:boldItalic r:id="rId27"/>
     </p:embeddedFont>
     <p:embeddedFont>
       <p:font typeface="Roboto Mono"/>
-      <p:regular r:id="rId27"/>
-      <p:bold r:id="rId28"/>
-      <p:italic r:id="rId29"/>
-      <p:boldItalic r:id="rId30"/>
+      <p:regular r:id="rId28"/>
+      <p:bold r:id="rId29"/>
+      <p:italic r:id="rId30"/>
+      <p:boldItalic r:id="rId31"/>
     </p:embeddedFont>
   </p:embeddedFontLst>
   <p:defaultTextStyle>
@@ -838,7 +839,7 @@
       </p:grpSpPr>
       <p:sp>
         <p:nvSpPr>
-          <p:cNvPr id="188" name="Google Shape;188;g365f95dfa3f_0_296:notes"/>
+          <p:cNvPr id="188" name="Google Shape;188;g365f95dfa3f_0_313:notes"/>
           <p:cNvSpPr txBox="1"/>
           <p:nvPr>
             <p:ph idx="1" type="body"/>
@@ -877,7 +878,7 @@
       </p:sp>
       <p:sp>
         <p:nvSpPr>
-          <p:cNvPr id="189" name="Google Shape;189;g365f95dfa3f_0_296:notes"/>
+          <p:cNvPr id="189" name="Google Shape;189;g365f95dfa3f_0_313:notes"/>
           <p:cNvSpPr/>
           <p:nvPr>
             <p:ph idx="2" type="sldImg"/>
@@ -923,7 +924,7 @@
   <p:cSld>
     <p:spTree>
       <p:nvGrpSpPr>
-        <p:cNvPr id="194" name="Shape 194"/>
+        <p:cNvPr id="193" name="Shape 193"/>
         <p:cNvGrpSpPr/>
         <p:nvPr/>
       </p:nvGrpSpPr>
@@ -937,7 +938,7 @@
       </p:grpSpPr>
       <p:sp>
         <p:nvSpPr>
-          <p:cNvPr id="195" name="Google Shape;195;g365f95dfa3f_0_283:notes"/>
+          <p:cNvPr id="194" name="Google Shape;194;g365f95dfa3f_0_296:notes"/>
           <p:cNvSpPr txBox="1"/>
           <p:nvPr>
             <p:ph idx="1" type="body"/>
@@ -976,7 +977,7 @@
       </p:sp>
       <p:sp>
         <p:nvSpPr>
-          <p:cNvPr id="196" name="Google Shape;196;g365f95dfa3f_0_283:notes"/>
+          <p:cNvPr id="195" name="Google Shape;195;g365f95dfa3f_0_296:notes"/>
           <p:cNvSpPr/>
           <p:nvPr>
             <p:ph idx="2" type="sldImg"/>
@@ -1036,7 +1037,7 @@
       </p:grpSpPr>
       <p:sp>
         <p:nvSpPr>
-          <p:cNvPr id="201" name="Google Shape;201;g36862d292f7_0_16:notes"/>
+          <p:cNvPr id="201" name="Google Shape;201;g365f95dfa3f_0_283:notes"/>
           <p:cNvSpPr txBox="1"/>
           <p:nvPr>
             <p:ph idx="1" type="body"/>
@@ -1075,7 +1076,106 @@
       </p:sp>
       <p:sp>
         <p:nvSpPr>
-          <p:cNvPr id="202" name="Google Shape;202;g36862d292f7_0_16:notes"/>
+          <p:cNvPr id="202" name="Google Shape;202;g365f95dfa3f_0_283:notes"/>
+          <p:cNvSpPr/>
+          <p:nvPr>
+            <p:ph idx="2" type="sldImg"/>
+          </p:nvPr>
+        </p:nvSpPr>
+        <p:spPr>
+          <a:xfrm>
+            <a:off x="1143225" y="685800"/>
+            <a:ext cx="4572300" cy="3429000"/>
+          </a:xfrm>
+          <a:custGeom>
+            <a:rect b="b" l="l" r="r" t="t"/>
+            <a:pathLst>
+              <a:path extrusionOk="0" h="120000" w="120000">
+                <a:moveTo>
+                  <a:pt x="0" y="0"/>
+                </a:moveTo>
+                <a:lnTo>
+                  <a:pt x="120000" y="0"/>
+                </a:lnTo>
+                <a:lnTo>
+                  <a:pt x="120000" y="120000"/>
+                </a:lnTo>
+                <a:lnTo>
+                  <a:pt x="0" y="120000"/>
+                </a:lnTo>
+                <a:close/>
+              </a:path>
+            </a:pathLst>
+          </a:custGeom>
+        </p:spPr>
+      </p:sp>
+    </p:spTree>
+  </p:cSld>
+  <p:clrMapOvr>
+    <a:masterClrMapping/>
+  </p:clrMapOvr>
+</p:notes>
+</file>
+
+<file path=ppt/notesSlides/notesSlide13.xml><?xml version="1.0" encoding="utf-8"?>
+<p:notes xmlns:a="http://schemas.openxmlformats.org/drawingml/2006/main" xmlns:r="http://schemas.openxmlformats.org/officeDocument/2006/relationships" xmlns:mc="http://schemas.openxmlformats.org/markup-compatibility/2006" xmlns:mv="urn:schemas-microsoft-com:mac:vml" xmlns:p="http://schemas.openxmlformats.org/presentationml/2006/main" xmlns:c="http://schemas.openxmlformats.org/drawingml/2006/chart" xmlns:dgm="http://schemas.openxmlformats.org/drawingml/2006/diagram" xmlns:o="urn:schemas-microsoft-com:office:office" xmlns:v="urn:schemas-microsoft-com:vml" xmlns:pvml="urn:schemas-microsoft-com:office:powerpoint" xmlns:com="http://schemas.openxmlformats.org/drawingml/2006/compatibility" xmlns:p14="http://schemas.microsoft.com/office/powerpoint/2010/main" xmlns:p15="http://schemas.microsoft.com/office/powerpoint/2012/main" xmlns:ahyp="http://schemas.microsoft.com/office/drawing/2018/hyperlinkcolor" showMasterPhAnim="0" showMasterSp="0">
+  <p:cSld>
+    <p:spTree>
+      <p:nvGrpSpPr>
+        <p:cNvPr id="206" name="Shape 206"/>
+        <p:cNvGrpSpPr/>
+        <p:nvPr/>
+      </p:nvGrpSpPr>
+      <p:grpSpPr>
+        <a:xfrm>
+          <a:off x="0" y="0"/>
+          <a:ext cx="0" cy="0"/>
+          <a:chOff x="0" y="0"/>
+          <a:chExt cx="0" cy="0"/>
+        </a:xfrm>
+      </p:grpSpPr>
+      <p:sp>
+        <p:nvSpPr>
+          <p:cNvPr id="207" name="Google Shape;207;g36862d292f7_0_16:notes"/>
+          <p:cNvSpPr txBox="1"/>
+          <p:nvPr>
+            <p:ph idx="1" type="body"/>
+          </p:nvPr>
+        </p:nvSpPr>
+        <p:spPr>
+          <a:xfrm>
+            <a:off x="685800" y="4343400"/>
+            <a:ext cx="5486400" cy="4114800"/>
+          </a:xfrm>
+          <a:prstGeom prst="rect">
+            <a:avLst/>
+          </a:prstGeom>
+        </p:spPr>
+        <p:txBody>
+          <a:bodyPr anchorCtr="0" anchor="t" bIns="91425" lIns="91425" spcFirstLastPara="1" rIns="91425" wrap="square" tIns="91425">
+            <a:noAutofit/>
+          </a:bodyPr>
+          <a:lstStyle/>
+          <a:p>
+            <a:pPr indent="0" lvl="0" marL="0" rtl="0" algn="l">
+              <a:spcBef>
+                <a:spcPts val="0"/>
+              </a:spcBef>
+              <a:spcAft>
+                <a:spcPts val="0"/>
+              </a:spcAft>
+              <a:buNone/>
+            </a:pPr>
+            <a:r>
+              <a:t/>
+            </a:r>
+            <a:endParaRPr/>
+          </a:p>
+        </p:txBody>
+      </p:sp>
+      <p:sp>
+        <p:nvSpPr>
+          <p:cNvPr id="208" name="Google Shape;208;g36862d292f7_0_16:notes"/>
           <p:cNvSpPr/>
           <p:nvPr>
             <p:ph idx="2" type="sldImg"/>
@@ -1630,7 +1730,7 @@
       </p:grpSpPr>
       <p:sp>
         <p:nvSpPr>
-          <p:cNvPr id="170" name="Google Shape;170;g365f95dfa3f_0_15:notes"/>
+          <p:cNvPr id="170" name="Google Shape;170;g365f95dfa3f_0_20:notes"/>
           <p:cNvSpPr txBox="1"/>
           <p:nvPr>
             <p:ph idx="1" type="body"/>
@@ -1669,7 +1769,7 @@
       </p:sp>
       <p:sp>
         <p:nvSpPr>
-          <p:cNvPr id="171" name="Google Shape;171;g365f95dfa3f_0_15:notes"/>
+          <p:cNvPr id="171" name="Google Shape;171;g365f95dfa3f_0_20:notes"/>
           <p:cNvSpPr/>
           <p:nvPr>
             <p:ph idx="2" type="sldImg"/>
@@ -1729,7 +1829,7 @@
       </p:grpSpPr>
       <p:sp>
         <p:nvSpPr>
-          <p:cNvPr id="176" name="Google Shape;176;g365f95dfa3f_0_20:notes"/>
+          <p:cNvPr id="176" name="Google Shape;176;g36862d292f7_0_21:notes"/>
           <p:cNvSpPr txBox="1"/>
           <p:nvPr>
             <p:ph idx="1" type="body"/>
@@ -1768,7 +1868,7 @@
       </p:sp>
       <p:sp>
         <p:nvSpPr>
-          <p:cNvPr id="177" name="Google Shape;177;g365f95dfa3f_0_20:notes"/>
+          <p:cNvPr id="177" name="Google Shape;177;g36862d292f7_0_21:notes"/>
           <p:cNvSpPr/>
           <p:nvPr>
             <p:ph idx="2" type="sldImg"/>
@@ -1828,7 +1928,7 @@
       </p:grpSpPr>
       <p:sp>
         <p:nvSpPr>
-          <p:cNvPr id="182" name="Google Shape;182;g365f95dfa3f_0_313:notes"/>
+          <p:cNvPr id="182" name="Google Shape;182;g36862d292f7_0_26:notes"/>
           <p:cNvSpPr txBox="1"/>
           <p:nvPr>
             <p:ph idx="1" type="body"/>
@@ -1867,7 +1967,7 @@
       </p:sp>
       <p:sp>
         <p:nvSpPr>
-          <p:cNvPr id="183" name="Google Shape;183;g365f95dfa3f_0_313:notes"/>
+          <p:cNvPr id="183" name="Google Shape;183;g36862d292f7_0_26:notes"/>
           <p:cNvSpPr/>
           <p:nvPr>
             <p:ph idx="2" type="sldImg"/>
@@ -10896,7 +10996,7 @@
                 <a:cs typeface="Arial"/>
                 <a:sym typeface="Arial"/>
               </a:rPr>
-              <a:t>Gangadhar Singh Shiva,</a:t>
+              <a:t>Gangadhar Singh Shiva</a:t>
             </a:r>
             <a:endParaRPr b="1" sz="5158">
               <a:solidFill>
@@ -10928,7 +11028,7 @@
                 <a:cs typeface="Arial"/>
                 <a:sym typeface="Arial"/>
               </a:rPr>
-              <a:t>Ananya Chandraker, </a:t>
+              <a:t>Ananya Chandraker</a:t>
             </a:r>
             <a:endParaRPr b="1" sz="5158">
               <a:solidFill>
@@ -11123,7 +11223,7 @@
           </a:bodyPr>
           <a:lstStyle/>
           <a:p>
-            <a:pPr indent="0" lvl="0" marL="0" rtl="0" algn="l">
+            <a:pPr indent="0" lvl="0" marL="0" rtl="0" algn="ctr">
               <a:spcBef>
                 <a:spcPts val="0"/>
               </a:spcBef>
@@ -11131,23 +11231,19 @@
                 <a:spcPts val="0"/>
               </a:spcAft>
               <a:buClr>
-                <a:srgbClr val="0066CC"/>
+                <a:srgbClr val="004C99"/>
               </a:buClr>
-              <a:buSzPts val="3200"/>
+              <a:buSzPts val="3000"/>
               <a:buFont typeface="Calibri"/>
               <a:buNone/>
             </a:pPr>
             <a:r>
-              <a:rPr b="1" lang="en-US" sz="3200">
+              <a:rPr b="1" lang="en-US" sz="3000">
                 <a:solidFill>
                   <a:srgbClr val="FFFFFF"/>
                 </a:solidFill>
-                <a:latin typeface="Calibri"/>
-                <a:ea typeface="Calibri"/>
-                <a:cs typeface="Calibri"/>
-                <a:sym typeface="Calibri"/>
               </a:rPr>
-              <a:t>Deployment Strategy</a:t>
+              <a:t>System Architecture (MCP) Workflow</a:t>
             </a:r>
             <a:endParaRPr>
               <a:solidFill>
@@ -11160,6 +11256,389 @@
       <p:sp>
         <p:nvSpPr>
           <p:cNvPr id="192" name="Google Shape;192;p23"/>
+          <p:cNvSpPr txBox="1"/>
+          <p:nvPr>
+            <p:ph idx="1" type="body"/>
+          </p:nvPr>
+        </p:nvSpPr>
+        <p:spPr>
+          <a:xfrm>
+            <a:off x="457200" y="1600200"/>
+            <a:ext cx="8229600" cy="4526100"/>
+          </a:xfrm>
+          <a:prstGeom prst="rect">
+            <a:avLst/>
+          </a:prstGeom>
+          <a:noFill/>
+          <a:ln>
+            <a:noFill/>
+          </a:ln>
+        </p:spPr>
+        <p:txBody>
+          <a:bodyPr anchorCtr="0" anchor="t" bIns="45700" lIns="91425" spcFirstLastPara="1" rIns="91425" wrap="square" tIns="45700">
+            <a:normAutofit lnSpcReduction="20000"/>
+          </a:bodyPr>
+          <a:lstStyle/>
+          <a:p>
+            <a:pPr indent="-228600" lvl="0" marL="457200" rtl="0" algn="l">
+              <a:spcBef>
+                <a:spcPts val="1400"/>
+              </a:spcBef>
+              <a:spcAft>
+                <a:spcPts val="0"/>
+              </a:spcAft>
+              <a:buNone/>
+            </a:pPr>
+            <a:r>
+              <a:rPr b="1" lang="en-US" sz="1900">
+                <a:solidFill>
+                  <a:srgbClr val="FFFFFF"/>
+                </a:solidFill>
+                <a:latin typeface="Aptos"/>
+                <a:ea typeface="Aptos"/>
+                <a:cs typeface="Aptos"/>
+                <a:sym typeface="Aptos"/>
+              </a:rPr>
+              <a:t>MCP Client and Server Integration</a:t>
+            </a:r>
+            <a:endParaRPr b="1" sz="1900">
+              <a:solidFill>
+                <a:srgbClr val="FFFFFF"/>
+              </a:solidFill>
+              <a:latin typeface="Aptos"/>
+              <a:ea typeface="Aptos"/>
+              <a:cs typeface="Aptos"/>
+              <a:sym typeface="Aptos"/>
+            </a:endParaRPr>
+          </a:p>
+          <a:p>
+            <a:pPr indent="0" lvl="0" marL="0" rtl="0" algn="l">
+              <a:spcBef>
+                <a:spcPts val="1200"/>
+              </a:spcBef>
+              <a:spcAft>
+                <a:spcPts val="0"/>
+              </a:spcAft>
+              <a:buNone/>
+            </a:pPr>
+            <a:r>
+              <a:rPr lang="en-US" sz="1800">
+                <a:solidFill>
+                  <a:srgbClr val="FFFFFF"/>
+                </a:solidFill>
+                <a:latin typeface="Aptos"/>
+                <a:ea typeface="Aptos"/>
+                <a:cs typeface="Aptos"/>
+                <a:sym typeface="Aptos"/>
+              </a:rPr>
+              <a:t>The system is structured such that the MCP server listens for function calls from agent clients. MCP clients act as wrappers for the agents and route communication using either standard input/output (for terminal-based tools) or HTTP. The client uses schema definitions and registered MCP decorators (</a:t>
+            </a:r>
+            <a:r>
+              <a:rPr lang="en-US" sz="1800">
+                <a:solidFill>
+                  <a:srgbClr val="FFFFFF"/>
+                </a:solidFill>
+                <a:latin typeface="Roboto Mono"/>
+                <a:ea typeface="Roboto Mono"/>
+                <a:cs typeface="Roboto Mono"/>
+                <a:sym typeface="Roboto Mono"/>
+              </a:rPr>
+              <a:t>@mcp.tool</a:t>
+            </a:r>
+            <a:r>
+              <a:rPr lang="en-US" sz="1800">
+                <a:solidFill>
+                  <a:srgbClr val="FFFFFF"/>
+                </a:solidFill>
+                <a:latin typeface="Aptos"/>
+                <a:ea typeface="Aptos"/>
+                <a:cs typeface="Aptos"/>
+                <a:sym typeface="Aptos"/>
+              </a:rPr>
+              <a:t>) to facilitate execution.</a:t>
+            </a:r>
+            <a:endParaRPr sz="1800">
+              <a:solidFill>
+                <a:srgbClr val="FFFFFF"/>
+              </a:solidFill>
+              <a:latin typeface="Aptos"/>
+              <a:ea typeface="Aptos"/>
+              <a:cs typeface="Aptos"/>
+              <a:sym typeface="Aptos"/>
+            </a:endParaRPr>
+          </a:p>
+          <a:p>
+            <a:pPr indent="-342900" lvl="0" marL="457200" rtl="0" algn="l">
+              <a:spcBef>
+                <a:spcPts val="1200"/>
+              </a:spcBef>
+              <a:spcAft>
+                <a:spcPts val="0"/>
+              </a:spcAft>
+              <a:buClr>
+                <a:srgbClr val="FFFFFF"/>
+              </a:buClr>
+              <a:buSzPts val="1800"/>
+              <a:buFont typeface="Aptos"/>
+              <a:buChar char="●"/>
+            </a:pPr>
+            <a:r>
+              <a:rPr b="1" lang="en-US" sz="1800">
+                <a:solidFill>
+                  <a:srgbClr val="FFFFFF"/>
+                </a:solidFill>
+                <a:latin typeface="Aptos"/>
+                <a:ea typeface="Aptos"/>
+                <a:cs typeface="Aptos"/>
+                <a:sym typeface="Aptos"/>
+              </a:rPr>
+              <a:t>MCP Server</a:t>
+            </a:r>
+            <a:r>
+              <a:rPr lang="en-US" sz="1800">
+                <a:solidFill>
+                  <a:srgbClr val="FFFFFF"/>
+                </a:solidFill>
+                <a:latin typeface="Aptos"/>
+                <a:ea typeface="Aptos"/>
+                <a:cs typeface="Aptos"/>
+                <a:sym typeface="Aptos"/>
+              </a:rPr>
+              <a:t>: Hosts service registration, manages message routing, handles execution lifecycle.</a:t>
+            </a:r>
+            <a:endParaRPr sz="1800">
+              <a:solidFill>
+                <a:srgbClr val="FFFFFF"/>
+              </a:solidFill>
+              <a:latin typeface="Aptos"/>
+              <a:ea typeface="Aptos"/>
+              <a:cs typeface="Aptos"/>
+              <a:sym typeface="Aptos"/>
+            </a:endParaRPr>
+          </a:p>
+          <a:p>
+            <a:pPr indent="-342900" lvl="0" marL="457200" rtl="0" algn="l">
+              <a:spcBef>
+                <a:spcPts val="0"/>
+              </a:spcBef>
+              <a:spcAft>
+                <a:spcPts val="0"/>
+              </a:spcAft>
+              <a:buClr>
+                <a:srgbClr val="FFFFFF"/>
+              </a:buClr>
+              <a:buSzPts val="1800"/>
+              <a:buFont typeface="Aptos"/>
+              <a:buChar char="●"/>
+            </a:pPr>
+            <a:r>
+              <a:rPr b="1" lang="en-US" sz="1800">
+                <a:solidFill>
+                  <a:srgbClr val="FFFFFF"/>
+                </a:solidFill>
+                <a:latin typeface="Aptos"/>
+                <a:ea typeface="Aptos"/>
+                <a:cs typeface="Aptos"/>
+                <a:sym typeface="Aptos"/>
+              </a:rPr>
+              <a:t>MCP Client</a:t>
+            </a:r>
+            <a:r>
+              <a:rPr lang="en-US" sz="1800">
+                <a:solidFill>
+                  <a:srgbClr val="FFFFFF"/>
+                </a:solidFill>
+                <a:latin typeface="Aptos"/>
+                <a:ea typeface="Aptos"/>
+                <a:cs typeface="Aptos"/>
+                <a:sym typeface="Aptos"/>
+              </a:rPr>
+              <a:t>: Sends query via CLI or embedded API (e.g., FastMCP.run("tool_name", input))</a:t>
+            </a:r>
+            <a:endParaRPr sz="1800">
+              <a:solidFill>
+                <a:srgbClr val="FFFFFF"/>
+              </a:solidFill>
+              <a:latin typeface="Aptos"/>
+              <a:ea typeface="Aptos"/>
+              <a:cs typeface="Aptos"/>
+              <a:sym typeface="Aptos"/>
+            </a:endParaRPr>
+          </a:p>
+          <a:p>
+            <a:pPr indent="-342900" lvl="0" marL="457200" rtl="0" algn="l">
+              <a:spcBef>
+                <a:spcPts val="0"/>
+              </a:spcBef>
+              <a:spcAft>
+                <a:spcPts val="0"/>
+              </a:spcAft>
+              <a:buClr>
+                <a:srgbClr val="FFFFFF"/>
+              </a:buClr>
+              <a:buSzPts val="1800"/>
+              <a:buFont typeface="Aptos"/>
+              <a:buChar char="●"/>
+            </a:pPr>
+            <a:r>
+              <a:rPr b="1" lang="en-US" sz="1800">
+                <a:solidFill>
+                  <a:srgbClr val="FFFFFF"/>
+                </a:solidFill>
+                <a:latin typeface="Aptos"/>
+                <a:ea typeface="Aptos"/>
+                <a:cs typeface="Aptos"/>
+                <a:sym typeface="Aptos"/>
+              </a:rPr>
+              <a:t>Embedding Support</a:t>
+            </a:r>
+            <a:r>
+              <a:rPr lang="en-US" sz="1800">
+                <a:solidFill>
+                  <a:srgbClr val="FFFFFF"/>
+                </a:solidFill>
+                <a:latin typeface="Aptos"/>
+                <a:ea typeface="Aptos"/>
+                <a:cs typeface="Aptos"/>
+                <a:sym typeface="Aptos"/>
+              </a:rPr>
+              <a:t>: For routing, sentence transformers or keyword-based vector encoders are used to transform queries into semantic space and match the most appropriate agent.</a:t>
+            </a:r>
+            <a:endParaRPr sz="1800">
+              <a:solidFill>
+                <a:srgbClr val="FFFFFF"/>
+              </a:solidFill>
+              <a:latin typeface="Aptos"/>
+              <a:ea typeface="Aptos"/>
+              <a:cs typeface="Aptos"/>
+              <a:sym typeface="Aptos"/>
+            </a:endParaRPr>
+          </a:p>
+          <a:p>
+            <a:pPr indent="-393700" lvl="0" marL="342900" rtl="0" algn="l">
+              <a:spcBef>
+                <a:spcPts val="400"/>
+              </a:spcBef>
+              <a:spcAft>
+                <a:spcPts val="1200"/>
+              </a:spcAft>
+              <a:buSzPts val="2800"/>
+              <a:buFont typeface="Quattrocento Sans"/>
+              <a:buChar char="●"/>
+            </a:pPr>
+            <a:r>
+              <a:t/>
+            </a:r>
+            <a:endParaRPr sz="2800">
+              <a:latin typeface="Quattrocento Sans"/>
+              <a:ea typeface="Quattrocento Sans"/>
+              <a:cs typeface="Quattrocento Sans"/>
+              <a:sym typeface="Quattrocento Sans"/>
+            </a:endParaRPr>
+          </a:p>
+        </p:txBody>
+      </p:sp>
+    </p:spTree>
+  </p:cSld>
+  <p:clrMapOvr>
+    <a:masterClrMapping/>
+  </p:clrMapOvr>
+</p:sld>
+</file>
+
+<file path=ppt/slides/slide11.xml><?xml version="1.0" encoding="utf-8"?>
+<p:sld xmlns:a="http://schemas.openxmlformats.org/drawingml/2006/main" xmlns:r="http://schemas.openxmlformats.org/officeDocument/2006/relationships" xmlns:mc="http://schemas.openxmlformats.org/markup-compatibility/2006" xmlns:mv="urn:schemas-microsoft-com:mac:vml" xmlns:p="http://schemas.openxmlformats.org/presentationml/2006/main" xmlns:c="http://schemas.openxmlformats.org/drawingml/2006/chart" xmlns:dgm="http://schemas.openxmlformats.org/drawingml/2006/diagram" xmlns:o="urn:schemas-microsoft-com:office:office" xmlns:v="urn:schemas-microsoft-com:vml" xmlns:pvml="urn:schemas-microsoft-com:office:powerpoint" xmlns:com="http://schemas.openxmlformats.org/drawingml/2006/compatibility" xmlns:p14="http://schemas.microsoft.com/office/powerpoint/2010/main" xmlns:p15="http://schemas.microsoft.com/office/powerpoint/2012/main" xmlns:ahyp="http://schemas.microsoft.com/office/drawing/2018/hyperlinkcolor">
+  <p:cSld>
+    <p:bg>
+      <p:bgPr>
+        <a:blipFill>
+          <a:blip r:embed="rId3">
+            <a:alphaModFix/>
+          </a:blip>
+          <a:stretch>
+            <a:fillRect/>
+          </a:stretch>
+        </a:blipFill>
+      </p:bgPr>
+    </p:bg>
+    <p:spTree>
+      <p:nvGrpSpPr>
+        <p:cNvPr id="196" name="Shape 196"/>
+        <p:cNvGrpSpPr/>
+        <p:nvPr/>
+      </p:nvGrpSpPr>
+      <p:grpSpPr>
+        <a:xfrm>
+          <a:off x="0" y="0"/>
+          <a:ext cx="0" cy="0"/>
+          <a:chOff x="0" y="0"/>
+          <a:chExt cx="0" cy="0"/>
+        </a:xfrm>
+      </p:grpSpPr>
+      <p:sp>
+        <p:nvSpPr>
+          <p:cNvPr id="197" name="Google Shape;197;p24"/>
+          <p:cNvSpPr txBox="1"/>
+          <p:nvPr>
+            <p:ph type="title"/>
+          </p:nvPr>
+        </p:nvSpPr>
+        <p:spPr>
+          <a:xfrm>
+            <a:off x="457200" y="274638"/>
+            <a:ext cx="8229600" cy="1143000"/>
+          </a:xfrm>
+          <a:prstGeom prst="rect">
+            <a:avLst/>
+          </a:prstGeom>
+          <a:noFill/>
+          <a:ln>
+            <a:noFill/>
+          </a:ln>
+        </p:spPr>
+        <p:txBody>
+          <a:bodyPr anchorCtr="0" anchor="ctr" bIns="45700" lIns="91425" spcFirstLastPara="1" rIns="91425" wrap="square" tIns="45700">
+            <a:normAutofit/>
+          </a:bodyPr>
+          <a:lstStyle/>
+          <a:p>
+            <a:pPr indent="0" lvl="0" marL="0" rtl="0" algn="l">
+              <a:spcBef>
+                <a:spcPts val="0"/>
+              </a:spcBef>
+              <a:spcAft>
+                <a:spcPts val="0"/>
+              </a:spcAft>
+              <a:buClr>
+                <a:srgbClr val="0066CC"/>
+              </a:buClr>
+              <a:buSzPts val="3200"/>
+              <a:buFont typeface="Calibri"/>
+              <a:buNone/>
+            </a:pPr>
+            <a:r>
+              <a:rPr b="1" lang="en-US" sz="3200">
+                <a:solidFill>
+                  <a:srgbClr val="FFFFFF"/>
+                </a:solidFill>
+                <a:latin typeface="Calibri"/>
+                <a:ea typeface="Calibri"/>
+                <a:cs typeface="Calibri"/>
+                <a:sym typeface="Calibri"/>
+              </a:rPr>
+              <a:t>Deployment Strategy</a:t>
+            </a:r>
+            <a:endParaRPr>
+              <a:solidFill>
+                <a:srgbClr val="FFFFFF"/>
+              </a:solidFill>
+            </a:endParaRPr>
+          </a:p>
+        </p:txBody>
+      </p:sp>
+      <p:sp>
+        <p:nvSpPr>
+          <p:cNvPr id="198" name="Google Shape;198;p24"/>
           <p:cNvSpPr txBox="1"/>
           <p:nvPr>
             <p:ph idx="1" type="body"/>
@@ -11430,7 +11909,7 @@
       </p:sp>
       <p:pic>
         <p:nvPicPr>
-          <p:cNvPr id="193" name="Google Shape;193;p23"/>
+          <p:cNvPr id="199" name="Google Shape;199;p24"/>
           <p:cNvPicPr preferRelativeResize="0"/>
           <p:nvPr/>
         </p:nvPicPr>
@@ -11456,284 +11935,6 @@
           </a:ln>
         </p:spPr>
       </p:pic>
-    </p:spTree>
-  </p:cSld>
-  <p:clrMapOvr>
-    <a:masterClrMapping/>
-  </p:clrMapOvr>
-</p:sld>
-</file>
-
-<file path=ppt/slides/slide11.xml><?xml version="1.0" encoding="utf-8"?>
-<p:sld xmlns:a="http://schemas.openxmlformats.org/drawingml/2006/main" xmlns:r="http://schemas.openxmlformats.org/officeDocument/2006/relationships" xmlns:mc="http://schemas.openxmlformats.org/markup-compatibility/2006" xmlns:mv="urn:schemas-microsoft-com:mac:vml" xmlns:p="http://schemas.openxmlformats.org/presentationml/2006/main" xmlns:c="http://schemas.openxmlformats.org/drawingml/2006/chart" xmlns:dgm="http://schemas.openxmlformats.org/drawingml/2006/diagram" xmlns:o="urn:schemas-microsoft-com:office:office" xmlns:v="urn:schemas-microsoft-com:vml" xmlns:pvml="urn:schemas-microsoft-com:office:powerpoint" xmlns:com="http://schemas.openxmlformats.org/drawingml/2006/compatibility" xmlns:p14="http://schemas.microsoft.com/office/powerpoint/2010/main" xmlns:p15="http://schemas.microsoft.com/office/powerpoint/2012/main" xmlns:ahyp="http://schemas.microsoft.com/office/drawing/2018/hyperlinkcolor">
-  <p:cSld>
-    <p:bg>
-      <p:bgPr>
-        <a:blipFill>
-          <a:blip r:embed="rId3">
-            <a:alphaModFix/>
-          </a:blip>
-          <a:stretch>
-            <a:fillRect/>
-          </a:stretch>
-        </a:blipFill>
-      </p:bgPr>
-    </p:bg>
-    <p:spTree>
-      <p:nvGrpSpPr>
-        <p:cNvPr id="197" name="Shape 197"/>
-        <p:cNvGrpSpPr/>
-        <p:nvPr/>
-      </p:nvGrpSpPr>
-      <p:grpSpPr>
-        <a:xfrm>
-          <a:off x="0" y="0"/>
-          <a:ext cx="0" cy="0"/>
-          <a:chOff x="0" y="0"/>
-          <a:chExt cx="0" cy="0"/>
-        </a:xfrm>
-      </p:grpSpPr>
-      <p:sp>
-        <p:nvSpPr>
-          <p:cNvPr id="198" name="Google Shape;198;p24"/>
-          <p:cNvSpPr txBox="1"/>
-          <p:nvPr>
-            <p:ph type="title"/>
-          </p:nvPr>
-        </p:nvSpPr>
-        <p:spPr>
-          <a:xfrm>
-            <a:off x="457200" y="285974"/>
-            <a:ext cx="8229600" cy="1314300"/>
-          </a:xfrm>
-          <a:prstGeom prst="rect">
-            <a:avLst/>
-          </a:prstGeom>
-          <a:noFill/>
-          <a:ln>
-            <a:noFill/>
-          </a:ln>
-        </p:spPr>
-        <p:txBody>
-          <a:bodyPr anchorCtr="0" anchor="ctr" bIns="45700" lIns="91425" spcFirstLastPara="1" rIns="91425" wrap="square" tIns="45700">
-            <a:normAutofit/>
-          </a:bodyPr>
-          <a:lstStyle/>
-          <a:p>
-            <a:pPr indent="0" lvl="0" marL="0" rtl="0" algn="ctr">
-              <a:spcBef>
-                <a:spcPts val="0"/>
-              </a:spcBef>
-              <a:spcAft>
-                <a:spcPts val="0"/>
-              </a:spcAft>
-              <a:buClr>
-                <a:srgbClr val="004C99"/>
-              </a:buClr>
-              <a:buSzPts val="3000"/>
-              <a:buFont typeface="Calibri"/>
-              <a:buNone/>
-            </a:pPr>
-            <a:r>
-              <a:rPr b="1" lang="en-US" sz="3000">
-                <a:solidFill>
-                  <a:srgbClr val="FFFFFF"/>
-                </a:solidFill>
-              </a:rPr>
-              <a:t>Summarize </a:t>
-            </a:r>
-            <a:endParaRPr>
-              <a:solidFill>
-                <a:srgbClr val="FFFFFF"/>
-              </a:solidFill>
-            </a:endParaRPr>
-          </a:p>
-        </p:txBody>
-      </p:sp>
-      <p:sp>
-        <p:nvSpPr>
-          <p:cNvPr id="199" name="Google Shape;199;p24"/>
-          <p:cNvSpPr txBox="1"/>
-          <p:nvPr>
-            <p:ph idx="1" type="body"/>
-          </p:nvPr>
-        </p:nvSpPr>
-        <p:spPr>
-          <a:xfrm>
-            <a:off x="457200" y="1600200"/>
-            <a:ext cx="8229600" cy="4526100"/>
-          </a:xfrm>
-          <a:prstGeom prst="rect">
-            <a:avLst/>
-          </a:prstGeom>
-          <a:noFill/>
-          <a:ln>
-            <a:noFill/>
-          </a:ln>
-        </p:spPr>
-        <p:txBody>
-          <a:bodyPr anchorCtr="0" anchor="t" bIns="45700" lIns="91425" spcFirstLastPara="1" rIns="91425" wrap="square" tIns="45700">
-            <a:noAutofit/>
-          </a:bodyPr>
-          <a:lstStyle/>
-          <a:p>
-            <a:pPr indent="0" lvl="0" marL="0" marR="381000" rtl="0" algn="l">
-              <a:spcBef>
-                <a:spcPts val="1200"/>
-              </a:spcBef>
-              <a:spcAft>
-                <a:spcPts val="0"/>
-              </a:spcAft>
-              <a:buNone/>
-            </a:pPr>
-            <a:r>
-              <a:rPr lang="en-US" sz="2400">
-                <a:solidFill>
-                  <a:srgbClr val="FFFFFF"/>
-                </a:solidFill>
-                <a:latin typeface="Arial"/>
-                <a:ea typeface="Arial"/>
-                <a:cs typeface="Arial"/>
-                <a:sym typeface="Arial"/>
-              </a:rPr>
-              <a:t>Modular agents for domain-specific sentiment</a:t>
-            </a:r>
-            <a:br>
-              <a:rPr lang="en-US" sz="2400">
-                <a:solidFill>
-                  <a:srgbClr val="FFFFFF"/>
-                </a:solidFill>
-                <a:latin typeface="Arial"/>
-                <a:ea typeface="Arial"/>
-                <a:cs typeface="Arial"/>
-                <a:sym typeface="Arial"/>
-              </a:rPr>
-            </a:br>
-            <a:r>
-              <a:rPr lang="en-US" sz="2400">
-                <a:solidFill>
-                  <a:srgbClr val="FFFFFF"/>
-                </a:solidFill>
-                <a:latin typeface="Arial"/>
-                <a:ea typeface="Arial"/>
-                <a:cs typeface="Arial"/>
-                <a:sym typeface="Arial"/>
-              </a:rPr>
-              <a:t>MCP for orchestration</a:t>
-            </a:r>
-            <a:endParaRPr sz="2400">
-              <a:solidFill>
-                <a:srgbClr val="FFFFFF"/>
-              </a:solidFill>
-              <a:latin typeface="Arial"/>
-              <a:ea typeface="Arial"/>
-              <a:cs typeface="Arial"/>
-              <a:sym typeface="Arial"/>
-            </a:endParaRPr>
-          </a:p>
-          <a:p>
-            <a:pPr indent="0" lvl="0" marL="0" marR="381000" rtl="0" algn="l">
-              <a:spcBef>
-                <a:spcPts val="1200"/>
-              </a:spcBef>
-              <a:spcAft>
-                <a:spcPts val="0"/>
-              </a:spcAft>
-              <a:buNone/>
-            </a:pPr>
-            <a:r>
-              <a:rPr lang="en-US" sz="2400">
-                <a:solidFill>
-                  <a:srgbClr val="FFFFFF"/>
-                </a:solidFill>
-                <a:latin typeface="Arial"/>
-                <a:ea typeface="Arial"/>
-                <a:cs typeface="Arial"/>
-                <a:sym typeface="Arial"/>
-              </a:rPr>
-              <a:t>A2A for clean tool communication</a:t>
-            </a:r>
-            <a:endParaRPr sz="2400">
-              <a:solidFill>
-                <a:srgbClr val="FFFFFF"/>
-              </a:solidFill>
-              <a:latin typeface="Arial"/>
-              <a:ea typeface="Arial"/>
-              <a:cs typeface="Arial"/>
-              <a:sym typeface="Arial"/>
-            </a:endParaRPr>
-          </a:p>
-          <a:p>
-            <a:pPr indent="0" lvl="0" marL="0" marR="381000" rtl="0" algn="l">
-              <a:spcBef>
-                <a:spcPts val="1200"/>
-              </a:spcBef>
-              <a:spcAft>
-                <a:spcPts val="0"/>
-              </a:spcAft>
-              <a:buNone/>
-            </a:pPr>
-            <a:r>
-              <a:rPr lang="en-US" sz="2400">
-                <a:solidFill>
-                  <a:srgbClr val="FFFFFF"/>
-                </a:solidFill>
-                <a:latin typeface="Arial"/>
-                <a:ea typeface="Arial"/>
-                <a:cs typeface="Arial"/>
-                <a:sym typeface="Arial"/>
-              </a:rPr>
-              <a:t>ML, LLM for Sentimental Analysis</a:t>
-            </a:r>
-            <a:endParaRPr sz="2400">
-              <a:solidFill>
-                <a:srgbClr val="FFFFFF"/>
-              </a:solidFill>
-              <a:latin typeface="Arial"/>
-              <a:ea typeface="Arial"/>
-              <a:cs typeface="Arial"/>
-              <a:sym typeface="Arial"/>
-            </a:endParaRPr>
-          </a:p>
-          <a:p>
-            <a:pPr indent="-412750" lvl="0" marL="342900" rtl="0" algn="l">
-              <a:spcBef>
-                <a:spcPts val="1200"/>
-              </a:spcBef>
-              <a:spcAft>
-                <a:spcPts val="1200"/>
-              </a:spcAft>
-              <a:buClr>
-                <a:srgbClr val="FFFFFF"/>
-              </a:buClr>
-              <a:buSzPts val="3100"/>
-              <a:buFont typeface="Quattrocento Sans"/>
-              <a:buChar char="●"/>
-            </a:pPr>
-            <a:r>
-              <a:rPr lang="en-US" sz="2400">
-                <a:solidFill>
-                  <a:srgbClr val="FFFFFF"/>
-                </a:solidFill>
-                <a:latin typeface="Arial"/>
-                <a:ea typeface="Arial"/>
-                <a:cs typeface="Arial"/>
-                <a:sym typeface="Arial"/>
-              </a:rPr>
-              <a:t>Architecture can power scalable, domain-aware AI assistants — whether for enterprise analytics, customer service, or real-time monitoring.</a:t>
-            </a:r>
-            <a:endParaRPr sz="4100">
-              <a:solidFill>
-                <a:srgbClr val="FFFFFF"/>
-              </a:solidFill>
-              <a:latin typeface="Quattrocento Sans"/>
-              <a:ea typeface="Quattrocento Sans"/>
-              <a:cs typeface="Quattrocento Sans"/>
-              <a:sym typeface="Quattrocento Sans"/>
-            </a:endParaRPr>
-          </a:p>
-        </p:txBody>
-      </p:sp>
     </p:spTree>
   </p:cSld>
   <p:clrMapOvr>
@@ -11781,6 +11982,284 @@
         </p:nvSpPr>
         <p:spPr>
           <a:xfrm>
+            <a:off x="457200" y="285974"/>
+            <a:ext cx="8229600" cy="1314300"/>
+          </a:xfrm>
+          <a:prstGeom prst="rect">
+            <a:avLst/>
+          </a:prstGeom>
+          <a:noFill/>
+          <a:ln>
+            <a:noFill/>
+          </a:ln>
+        </p:spPr>
+        <p:txBody>
+          <a:bodyPr anchorCtr="0" anchor="ctr" bIns="45700" lIns="91425" spcFirstLastPara="1" rIns="91425" wrap="square" tIns="45700">
+            <a:normAutofit/>
+          </a:bodyPr>
+          <a:lstStyle/>
+          <a:p>
+            <a:pPr indent="0" lvl="0" marL="0" rtl="0" algn="ctr">
+              <a:spcBef>
+                <a:spcPts val="0"/>
+              </a:spcBef>
+              <a:spcAft>
+                <a:spcPts val="0"/>
+              </a:spcAft>
+              <a:buClr>
+                <a:srgbClr val="004C99"/>
+              </a:buClr>
+              <a:buSzPts val="3000"/>
+              <a:buFont typeface="Calibri"/>
+              <a:buNone/>
+            </a:pPr>
+            <a:r>
+              <a:rPr b="1" lang="en-US" sz="3000">
+                <a:solidFill>
+                  <a:srgbClr val="FFFFFF"/>
+                </a:solidFill>
+              </a:rPr>
+              <a:t>Summarize </a:t>
+            </a:r>
+            <a:endParaRPr>
+              <a:solidFill>
+                <a:srgbClr val="FFFFFF"/>
+              </a:solidFill>
+            </a:endParaRPr>
+          </a:p>
+        </p:txBody>
+      </p:sp>
+      <p:sp>
+        <p:nvSpPr>
+          <p:cNvPr id="205" name="Google Shape;205;p25"/>
+          <p:cNvSpPr txBox="1"/>
+          <p:nvPr>
+            <p:ph idx="1" type="body"/>
+          </p:nvPr>
+        </p:nvSpPr>
+        <p:spPr>
+          <a:xfrm>
+            <a:off x="457200" y="1600200"/>
+            <a:ext cx="8229600" cy="4526100"/>
+          </a:xfrm>
+          <a:prstGeom prst="rect">
+            <a:avLst/>
+          </a:prstGeom>
+          <a:noFill/>
+          <a:ln>
+            <a:noFill/>
+          </a:ln>
+        </p:spPr>
+        <p:txBody>
+          <a:bodyPr anchorCtr="0" anchor="t" bIns="45700" lIns="91425" spcFirstLastPara="1" rIns="91425" wrap="square" tIns="45700">
+            <a:noAutofit/>
+          </a:bodyPr>
+          <a:lstStyle/>
+          <a:p>
+            <a:pPr indent="0" lvl="0" marL="0" marR="381000" rtl="0" algn="l">
+              <a:spcBef>
+                <a:spcPts val="1200"/>
+              </a:spcBef>
+              <a:spcAft>
+                <a:spcPts val="0"/>
+              </a:spcAft>
+              <a:buNone/>
+            </a:pPr>
+            <a:r>
+              <a:rPr lang="en-US" sz="2400">
+                <a:solidFill>
+                  <a:srgbClr val="FFFFFF"/>
+                </a:solidFill>
+                <a:latin typeface="Arial"/>
+                <a:ea typeface="Arial"/>
+                <a:cs typeface="Arial"/>
+                <a:sym typeface="Arial"/>
+              </a:rPr>
+              <a:t>Modular agents for domain-specific sentiment</a:t>
+            </a:r>
+            <a:br>
+              <a:rPr lang="en-US" sz="2400">
+                <a:solidFill>
+                  <a:srgbClr val="FFFFFF"/>
+                </a:solidFill>
+                <a:latin typeface="Arial"/>
+                <a:ea typeface="Arial"/>
+                <a:cs typeface="Arial"/>
+                <a:sym typeface="Arial"/>
+              </a:rPr>
+            </a:br>
+            <a:r>
+              <a:rPr lang="en-US" sz="2400">
+                <a:solidFill>
+                  <a:srgbClr val="FFFFFF"/>
+                </a:solidFill>
+                <a:latin typeface="Arial"/>
+                <a:ea typeface="Arial"/>
+                <a:cs typeface="Arial"/>
+                <a:sym typeface="Arial"/>
+              </a:rPr>
+              <a:t>MCP for orchestration</a:t>
+            </a:r>
+            <a:endParaRPr sz="2400">
+              <a:solidFill>
+                <a:srgbClr val="FFFFFF"/>
+              </a:solidFill>
+              <a:latin typeface="Arial"/>
+              <a:ea typeface="Arial"/>
+              <a:cs typeface="Arial"/>
+              <a:sym typeface="Arial"/>
+            </a:endParaRPr>
+          </a:p>
+          <a:p>
+            <a:pPr indent="0" lvl="0" marL="0" marR="381000" rtl="0" algn="l">
+              <a:spcBef>
+                <a:spcPts val="1200"/>
+              </a:spcBef>
+              <a:spcAft>
+                <a:spcPts val="0"/>
+              </a:spcAft>
+              <a:buNone/>
+            </a:pPr>
+            <a:r>
+              <a:rPr lang="en-US" sz="2400">
+                <a:solidFill>
+                  <a:srgbClr val="FFFFFF"/>
+                </a:solidFill>
+                <a:latin typeface="Arial"/>
+                <a:ea typeface="Arial"/>
+                <a:cs typeface="Arial"/>
+                <a:sym typeface="Arial"/>
+              </a:rPr>
+              <a:t>A2A for clean tool communication</a:t>
+            </a:r>
+            <a:endParaRPr sz="2400">
+              <a:solidFill>
+                <a:srgbClr val="FFFFFF"/>
+              </a:solidFill>
+              <a:latin typeface="Arial"/>
+              <a:ea typeface="Arial"/>
+              <a:cs typeface="Arial"/>
+              <a:sym typeface="Arial"/>
+            </a:endParaRPr>
+          </a:p>
+          <a:p>
+            <a:pPr indent="0" lvl="0" marL="0" marR="381000" rtl="0" algn="l">
+              <a:spcBef>
+                <a:spcPts val="1200"/>
+              </a:spcBef>
+              <a:spcAft>
+                <a:spcPts val="0"/>
+              </a:spcAft>
+              <a:buNone/>
+            </a:pPr>
+            <a:r>
+              <a:rPr lang="en-US" sz="2400">
+                <a:solidFill>
+                  <a:srgbClr val="FFFFFF"/>
+                </a:solidFill>
+                <a:latin typeface="Arial"/>
+                <a:ea typeface="Arial"/>
+                <a:cs typeface="Arial"/>
+                <a:sym typeface="Arial"/>
+              </a:rPr>
+              <a:t>ML, LLM for Sentimental Analysis</a:t>
+            </a:r>
+            <a:endParaRPr sz="2400">
+              <a:solidFill>
+                <a:srgbClr val="FFFFFF"/>
+              </a:solidFill>
+              <a:latin typeface="Arial"/>
+              <a:ea typeface="Arial"/>
+              <a:cs typeface="Arial"/>
+              <a:sym typeface="Arial"/>
+            </a:endParaRPr>
+          </a:p>
+          <a:p>
+            <a:pPr indent="-412750" lvl="0" marL="342900" rtl="0" algn="l">
+              <a:spcBef>
+                <a:spcPts val="1200"/>
+              </a:spcBef>
+              <a:spcAft>
+                <a:spcPts val="1200"/>
+              </a:spcAft>
+              <a:buClr>
+                <a:srgbClr val="FFFFFF"/>
+              </a:buClr>
+              <a:buSzPts val="3100"/>
+              <a:buFont typeface="Quattrocento Sans"/>
+              <a:buChar char="●"/>
+            </a:pPr>
+            <a:r>
+              <a:rPr lang="en-US" sz="2400">
+                <a:solidFill>
+                  <a:srgbClr val="FFFFFF"/>
+                </a:solidFill>
+                <a:latin typeface="Arial"/>
+                <a:ea typeface="Arial"/>
+                <a:cs typeface="Arial"/>
+                <a:sym typeface="Arial"/>
+              </a:rPr>
+              <a:t>Architecture can power scalable, domain-aware AI assistants — whether for enterprise analytics, customer service, or real-time monitoring.</a:t>
+            </a:r>
+            <a:endParaRPr sz="4100">
+              <a:solidFill>
+                <a:srgbClr val="FFFFFF"/>
+              </a:solidFill>
+              <a:latin typeface="Quattrocento Sans"/>
+              <a:ea typeface="Quattrocento Sans"/>
+              <a:cs typeface="Quattrocento Sans"/>
+              <a:sym typeface="Quattrocento Sans"/>
+            </a:endParaRPr>
+          </a:p>
+        </p:txBody>
+      </p:sp>
+    </p:spTree>
+  </p:cSld>
+  <p:clrMapOvr>
+    <a:masterClrMapping/>
+  </p:clrMapOvr>
+</p:sld>
+</file>
+
+<file path=ppt/slides/slide13.xml><?xml version="1.0" encoding="utf-8"?>
+<p:sld xmlns:a="http://schemas.openxmlformats.org/drawingml/2006/main" xmlns:r="http://schemas.openxmlformats.org/officeDocument/2006/relationships" xmlns:mc="http://schemas.openxmlformats.org/markup-compatibility/2006" xmlns:mv="urn:schemas-microsoft-com:mac:vml" xmlns:p="http://schemas.openxmlformats.org/presentationml/2006/main" xmlns:c="http://schemas.openxmlformats.org/drawingml/2006/chart" xmlns:dgm="http://schemas.openxmlformats.org/drawingml/2006/diagram" xmlns:o="urn:schemas-microsoft-com:office:office" xmlns:v="urn:schemas-microsoft-com:vml" xmlns:pvml="urn:schemas-microsoft-com:office:powerpoint" xmlns:com="http://schemas.openxmlformats.org/drawingml/2006/compatibility" xmlns:p14="http://schemas.microsoft.com/office/powerpoint/2010/main" xmlns:p15="http://schemas.microsoft.com/office/powerpoint/2012/main" xmlns:ahyp="http://schemas.microsoft.com/office/drawing/2018/hyperlinkcolor">
+  <p:cSld>
+    <p:bg>
+      <p:bgPr>
+        <a:blipFill>
+          <a:blip r:embed="rId3">
+            <a:alphaModFix/>
+          </a:blip>
+          <a:stretch>
+            <a:fillRect/>
+          </a:stretch>
+        </a:blipFill>
+      </p:bgPr>
+    </p:bg>
+    <p:spTree>
+      <p:nvGrpSpPr>
+        <p:cNvPr id="209" name="Shape 209"/>
+        <p:cNvGrpSpPr/>
+        <p:nvPr/>
+      </p:nvGrpSpPr>
+      <p:grpSpPr>
+        <a:xfrm>
+          <a:off x="0" y="0"/>
+          <a:ext cx="0" cy="0"/>
+          <a:chOff x="0" y="0"/>
+          <a:chExt cx="0" cy="0"/>
+        </a:xfrm>
+      </p:grpSpPr>
+      <p:sp>
+        <p:nvSpPr>
+          <p:cNvPr id="210" name="Google Shape;210;p26"/>
+          <p:cNvSpPr txBox="1"/>
+          <p:nvPr>
+            <p:ph type="title"/>
+          </p:nvPr>
+        </p:nvSpPr>
+        <p:spPr>
+          <a:xfrm>
             <a:off x="457200" y="285977"/>
             <a:ext cx="8229600" cy="4276500"/>
           </a:xfrm>
@@ -11830,7 +12309,7 @@
       </p:sp>
       <p:sp>
         <p:nvSpPr>
-          <p:cNvPr id="205" name="Google Shape;205;p25"/>
+          <p:cNvPr id="211" name="Google Shape;211;p26"/>
           <p:cNvSpPr txBox="1"/>
           <p:nvPr>
             <p:ph idx="1" type="body"/>
@@ -12059,7 +12538,7 @@
                 <a:cs typeface="Arial"/>
                 <a:sym typeface="Arial"/>
               </a:rPr>
-              <a:t> Classify user sentiment from Twitter posts and iPhone reviews at scale for both enterprises and customer .</a:t>
+              <a:t> Classify user sentiment from Twitter posts and iPhone reviews at scale for both enterprises and consumer customers.</a:t>
             </a:r>
             <a:endParaRPr sz="2327">
               <a:solidFill>
@@ -13002,7 +13481,7 @@
             <a:tbl>
               <a:tblPr bandRow="1" firstRow="1">
                 <a:noFill/>
-                <a:tableStyleId>{4E95B9FD-D8EF-4CB2-AC4F-DDB7F9861D08}</a:tableStyleId>
+                <a:tableStyleId>{568FD357-1E42-47F0-97C8-75C76CBC6835}</a:tableStyleId>
               </a:tblPr>
               <a:tblGrid>
                 <a:gridCol w="1444650"/>
@@ -14033,7 +14512,7 @@
             <a:tbl>
               <a:tblPr bandRow="1" firstRow="1">
                 <a:noFill/>
-                <a:tableStyleId>{4E95B9FD-D8EF-4CB2-AC4F-DDB7F9861D08}</a:tableStyleId>
+                <a:tableStyleId>{568FD357-1E42-47F0-97C8-75C76CBC6835}</a:tableStyleId>
               </a:tblPr>
               <a:tblGrid>
                 <a:gridCol w="1190525"/>
@@ -14961,7 +15440,7 @@
                   <a:srgbClr val="FFFFFF"/>
                 </a:solidFill>
               </a:rPr>
-              <a:t>System Architecture (A2A)</a:t>
+              <a:t>System Architecture (ML Model)</a:t>
             </a:r>
             <a:endParaRPr>
               <a:solidFill>
@@ -14981,7 +15460,7 @@
         </p:nvSpPr>
         <p:spPr>
           <a:xfrm>
-            <a:off x="457200" y="1600200"/>
+            <a:off x="457200" y="1165950"/>
             <a:ext cx="8229600" cy="4526100"/>
           </a:xfrm>
           <a:prstGeom prst="rect">
@@ -15008,7 +15487,7 @@
               <a:buNone/>
             </a:pPr>
             <a:r>
-              <a:rPr b="1" lang="en-US" sz="2200">
+              <a:rPr b="1" lang="en-US" sz="1600">
                 <a:solidFill>
                   <a:srgbClr val="FFFFFF"/>
                 </a:solidFill>
@@ -15017,9 +15496,9 @@
                 <a:cs typeface="Aptos"/>
                 <a:sym typeface="Aptos"/>
               </a:rPr>
-              <a:t>A2A Overview</a:t>
-            </a:r>
-            <a:endParaRPr b="1" sz="2200">
+              <a:t>ML Models</a:t>
+            </a:r>
+            <a:endParaRPr b="1" sz="1600">
               <a:solidFill>
                 <a:srgbClr val="FFFFFF"/>
               </a:solidFill>
@@ -15030,9 +15509,9 @@
             </a:endParaRPr>
           </a:p>
           <a:p>
-            <a:pPr indent="0" lvl="0" marL="0" rtl="0" algn="l">
-              <a:spcBef>
-                <a:spcPts val="1200"/>
+            <a:pPr indent="-228600" lvl="0" marL="457200" rtl="0" algn="l">
+              <a:spcBef>
+                <a:spcPts val="1400"/>
               </a:spcBef>
               <a:spcAft>
                 <a:spcPts val="0"/>
@@ -15040,7 +15519,7 @@
               <a:buNone/>
             </a:pPr>
             <a:r>
-              <a:rPr lang="en-US" sz="2100">
+              <a:rPr b="1" lang="en-US" sz="1500">
                 <a:solidFill>
                   <a:srgbClr val="FFFFFF"/>
                 </a:solidFill>
@@ -15049,9 +15528,21 @@
                 <a:cs typeface="Aptos"/>
                 <a:sym typeface="Aptos"/>
               </a:rPr>
-              <a:t>A2A (Agent-to-Agent) is a lightweight coordination SDK that enables modular and autonomous agent tools to be invoked via message-based or callable interfaces. Each agent runs as an independent process or module, exposing callable functions through a shared routing framework. Agents do not depend on each other directly, making the architecture fault-tolerant and extensible.</a:t>
-            </a:r>
-            <a:endParaRPr sz="2100">
+              <a:t>Twitter Agent</a:t>
+            </a:r>
+            <a:r>
+              <a:rPr lang="en-US" sz="1500">
+                <a:solidFill>
+                  <a:srgbClr val="FFFFFF"/>
+                </a:solidFill>
+                <a:latin typeface="Aptos"/>
+                <a:ea typeface="Aptos"/>
+                <a:cs typeface="Aptos"/>
+                <a:sym typeface="Aptos"/>
+              </a:rPr>
+              <a:t>: Fine-tuned BERTweet Transformer (HuggingFace)</a:t>
+            </a:r>
+            <a:endParaRPr sz="1500">
               <a:solidFill>
                 <a:srgbClr val="FFFFFF"/>
               </a:solidFill>
@@ -15062,7 +15553,7 @@
             </a:endParaRPr>
           </a:p>
           <a:p>
-            <a:pPr indent="-361950" lvl="0" marL="457200" rtl="0" algn="l">
+            <a:pPr indent="-323850" lvl="1" marL="914400" rtl="0" algn="l">
               <a:spcBef>
                 <a:spcPts val="1200"/>
               </a:spcBef>
@@ -15072,12 +15563,24 @@
               <a:buClr>
                 <a:srgbClr val="FFFFFF"/>
               </a:buClr>
-              <a:buSzPts val="2100"/>
+              <a:buSzPts val="1500"/>
               <a:buFont typeface="Aptos"/>
-              <a:buChar char="●"/>
+              <a:buChar char="○"/>
             </a:pPr>
             <a:r>
-              <a:rPr b="1" lang="en-US" sz="2100">
+              <a:rPr lang="en-US" sz="1500">
+                <a:solidFill>
+                  <a:srgbClr val="FFFFFF"/>
+                </a:solidFill>
+                <a:latin typeface="Roboto Mono"/>
+                <a:ea typeface="Roboto Mono"/>
+                <a:cs typeface="Roboto Mono"/>
+                <a:sym typeface="Roboto Mono"/>
+              </a:rPr>
+              <a:t>a2a_twitter_sentiment_agent.py</a:t>
+            </a:r>
+            <a:r>
+              <a:rPr lang="en-US" sz="1500">
                 <a:solidFill>
                   <a:srgbClr val="FFFFFF"/>
                 </a:solidFill>
@@ -15086,9 +15589,9 @@
                 <a:cs typeface="Aptos"/>
                 <a:sym typeface="Aptos"/>
               </a:rPr>
-              <a:t>Key Features:</a:t>
-            </a:r>
-            <a:endParaRPr b="1" sz="2100">
+              <a:t> handles loading the model, tokenizing input, and returning prediction</a:t>
+            </a:r>
+            <a:endParaRPr sz="1500">
               <a:solidFill>
                 <a:srgbClr val="FFFFFF"/>
               </a:solidFill>
@@ -15099,7 +15602,7 @@
             </a:endParaRPr>
           </a:p>
           <a:p>
-            <a:pPr indent="-361950" lvl="1" marL="914400" rtl="0" algn="l">
+            <a:pPr indent="-323850" lvl="1" marL="914400" rtl="0" algn="l">
               <a:spcBef>
                 <a:spcPts val="0"/>
               </a:spcBef>
@@ -15109,12 +15612,12 @@
               <a:buClr>
                 <a:srgbClr val="FFFFFF"/>
               </a:buClr>
-              <a:buSzPts val="2100"/>
+              <a:buSzPts val="1500"/>
               <a:buFont typeface="Aptos"/>
               <a:buChar char="○"/>
             </a:pPr>
             <a:r>
-              <a:rPr lang="en-US" sz="2100">
+              <a:rPr lang="en-US" sz="1500">
                 <a:solidFill>
                   <a:srgbClr val="FFFFFF"/>
                 </a:solidFill>
@@ -15123,9 +15626,58 @@
                 <a:cs typeface="Aptos"/>
                 <a:sym typeface="Aptos"/>
               </a:rPr>
-              <a:t>Stateless communication over stdio, sockets, or HTTP</a:t>
-            </a:r>
-            <a:endParaRPr sz="2100">
+              <a:t>Uses Hugging Face's </a:t>
+            </a:r>
+            <a:r>
+              <a:rPr lang="en-US" sz="1500">
+                <a:solidFill>
+                  <a:srgbClr val="FFFFFF"/>
+                </a:solidFill>
+                <a:latin typeface="Roboto Mono"/>
+                <a:ea typeface="Roboto Mono"/>
+                <a:cs typeface="Roboto Mono"/>
+                <a:sym typeface="Roboto Mono"/>
+              </a:rPr>
+              <a:t>AutoModelForSequenceClassification</a:t>
+            </a:r>
+            <a:endParaRPr sz="1500">
+              <a:solidFill>
+                <a:srgbClr val="FFFFFF"/>
+              </a:solidFill>
+              <a:latin typeface="Roboto Mono"/>
+              <a:ea typeface="Roboto Mono"/>
+              <a:cs typeface="Roboto Mono"/>
+              <a:sym typeface="Roboto Mono"/>
+            </a:endParaRPr>
+          </a:p>
+          <a:p>
+            <a:pPr indent="-323850" lvl="1" marL="914400" rtl="0" algn="l">
+              <a:spcBef>
+                <a:spcPts val="0"/>
+              </a:spcBef>
+              <a:spcAft>
+                <a:spcPts val="0"/>
+              </a:spcAft>
+              <a:buClr>
+                <a:srgbClr val="FFFFFF"/>
+              </a:buClr>
+              <a:buSzPts val="1500"/>
+              <a:buFont typeface="Aptos"/>
+              <a:buChar char="○"/>
+            </a:pPr>
+            <a:r>
+              <a:rPr lang="en-US" sz="1500">
+                <a:solidFill>
+                  <a:srgbClr val="FFFFFF"/>
+                </a:solidFill>
+                <a:latin typeface="Aptos"/>
+                <a:ea typeface="Aptos"/>
+                <a:cs typeface="Aptos"/>
+                <a:sym typeface="Aptos"/>
+              </a:rPr>
+              <a:t>Optimized for short-text sentiment classification</a:t>
+            </a:r>
+            <a:endParaRPr sz="1500">
               <a:solidFill>
                 <a:srgbClr val="FFFFFF"/>
               </a:solidFill>
@@ -15136,7 +15688,7 @@
             </a:endParaRPr>
           </a:p>
           <a:p>
-            <a:pPr indent="-361950" lvl="1" marL="914400" rtl="0" algn="l">
+            <a:pPr indent="-323850" lvl="1" marL="914400" rtl="0" algn="l">
               <a:spcBef>
                 <a:spcPts val="0"/>
               </a:spcBef>
@@ -15146,12 +15698,12 @@
               <a:buClr>
                 <a:srgbClr val="FFFFFF"/>
               </a:buClr>
-              <a:buSzPts val="2100"/>
+              <a:buSzPts val="1500"/>
               <a:buFont typeface="Aptos"/>
               <a:buChar char="○"/>
             </a:pPr>
             <a:r>
-              <a:rPr lang="en-US" sz="2100">
+              <a:rPr lang="en-US" sz="1500">
                 <a:solidFill>
                   <a:srgbClr val="FFFFFF"/>
                 </a:solidFill>
@@ -15160,9 +15712,21 @@
                 <a:cs typeface="Aptos"/>
                 <a:sym typeface="Aptos"/>
               </a:rPr>
-              <a:t>Lightweight and minimal overhead</a:t>
-            </a:r>
-            <a:endParaRPr sz="2100">
+              <a:t>Example Query: </a:t>
+            </a:r>
+            <a:r>
+              <a:rPr i="1" lang="en-US" sz="1500">
+                <a:solidFill>
+                  <a:srgbClr val="FFFFFF"/>
+                </a:solidFill>
+                <a:latin typeface="Aptos"/>
+                <a:ea typeface="Aptos"/>
+                <a:cs typeface="Aptos"/>
+                <a:sym typeface="Aptos"/>
+              </a:rPr>
+              <a:t>"Twitter keeps crashing on my phone."</a:t>
+            </a:r>
+            <a:endParaRPr i="1" sz="1500">
               <a:solidFill>
                 <a:srgbClr val="FFFFFF"/>
               </a:solidFill>
@@ -15173,7 +15737,7 @@
             </a:endParaRPr>
           </a:p>
           <a:p>
-            <a:pPr indent="-361950" lvl="1" marL="914400" rtl="0" algn="l">
+            <a:pPr indent="-323850" lvl="1" marL="914400" rtl="0" algn="l">
               <a:spcBef>
                 <a:spcPts val="0"/>
               </a:spcBef>
@@ -15183,12 +15747,12 @@
               <a:buClr>
                 <a:srgbClr val="FFFFFF"/>
               </a:buClr>
-              <a:buSzPts val="2100"/>
+              <a:buSzPts val="1500"/>
               <a:buFont typeface="Aptos"/>
               <a:buChar char="○"/>
             </a:pPr>
             <a:r>
-              <a:rPr lang="en-US" sz="2100">
+              <a:rPr lang="en-US" sz="1500">
                 <a:solidFill>
                   <a:srgbClr val="FFFFFF"/>
                 </a:solidFill>
@@ -15197,9 +15761,33 @@
                 <a:cs typeface="Aptos"/>
                 <a:sym typeface="Aptos"/>
               </a:rPr>
-              <a:t>Integrates seamlessly with MCP for routing and service discovery</a:t>
-            </a:r>
-            <a:endParaRPr b="1">
+              <a:t>Output: </a:t>
+            </a:r>
+            <a:r>
+              <a:rPr b="1" lang="en-US" sz="1500">
+                <a:solidFill>
+                  <a:srgbClr val="FFFFFF"/>
+                </a:solidFill>
+                <a:latin typeface="Aptos"/>
+                <a:ea typeface="Aptos"/>
+                <a:cs typeface="Aptos"/>
+                <a:sym typeface="Aptos"/>
+              </a:rPr>
+              <a:t>Negative</a:t>
+            </a:r>
+            <a:r>
+              <a:rPr lang="en-US" sz="1500">
+                <a:solidFill>
+                  <a:srgbClr val="FFFFFF"/>
+                </a:solidFill>
+                <a:latin typeface="Aptos"/>
+                <a:ea typeface="Aptos"/>
+                <a:cs typeface="Aptos"/>
+                <a:sym typeface="Aptos"/>
+              </a:rPr>
+              <a:t> sentiment with ~88% classification confidence</a:t>
+            </a:r>
+            <a:endParaRPr sz="1500">
               <a:solidFill>
                 <a:srgbClr val="FFFFFF"/>
               </a:solidFill>
@@ -15386,9 +15974,9 @@
             </a:endParaRPr>
           </a:p>
           <a:p>
-            <a:pPr indent="-228600" lvl="0" marL="457200" rtl="0" algn="l">
-              <a:spcBef>
-                <a:spcPts val="1400"/>
+            <a:pPr indent="0" lvl="0" marL="914400" rtl="0" algn="l">
+              <a:spcBef>
+                <a:spcPts val="1200"/>
               </a:spcBef>
               <a:spcAft>
                 <a:spcPts val="0"/>
@@ -15396,273 +15984,7 @@
               <a:buNone/>
             </a:pPr>
             <a:r>
-              <a:rPr b="1" lang="en-US" sz="1500">
-                <a:solidFill>
-                  <a:srgbClr val="FFFFFF"/>
-                </a:solidFill>
-                <a:latin typeface="Aptos"/>
-                <a:ea typeface="Aptos"/>
-                <a:cs typeface="Aptos"/>
-                <a:sym typeface="Aptos"/>
-              </a:rPr>
-              <a:t>Twitter Agent</a:t>
-            </a:r>
-            <a:r>
-              <a:rPr lang="en-US" sz="1500">
-                <a:solidFill>
-                  <a:srgbClr val="FFFFFF"/>
-                </a:solidFill>
-                <a:latin typeface="Aptos"/>
-                <a:ea typeface="Aptos"/>
-                <a:cs typeface="Aptos"/>
-                <a:sym typeface="Aptos"/>
-              </a:rPr>
-              <a:t>: Fine-tuned BERTweet Transformer (HuggingFace)</a:t>
-            </a:r>
-            <a:endParaRPr sz="1500">
-              <a:solidFill>
-                <a:srgbClr val="FFFFFF"/>
-              </a:solidFill>
-              <a:latin typeface="Aptos"/>
-              <a:ea typeface="Aptos"/>
-              <a:cs typeface="Aptos"/>
-              <a:sym typeface="Aptos"/>
-            </a:endParaRPr>
-          </a:p>
-          <a:p>
-            <a:pPr indent="-323850" lvl="1" marL="914400" rtl="0" algn="l">
-              <a:spcBef>
-                <a:spcPts val="1200"/>
-              </a:spcBef>
-              <a:spcAft>
-                <a:spcPts val="0"/>
-              </a:spcAft>
-              <a:buClr>
-                <a:srgbClr val="FFFFFF"/>
-              </a:buClr>
-              <a:buSzPts val="1500"/>
-              <a:buFont typeface="Aptos"/>
-              <a:buChar char="○"/>
-            </a:pPr>
-            <a:r>
-              <a:rPr lang="en-US" sz="1500">
-                <a:solidFill>
-                  <a:srgbClr val="FFFFFF"/>
-                </a:solidFill>
-                <a:latin typeface="Roboto Mono"/>
-                <a:ea typeface="Roboto Mono"/>
-                <a:cs typeface="Roboto Mono"/>
-                <a:sym typeface="Roboto Mono"/>
-              </a:rPr>
-              <a:t>a2a_twitter_sentiment_agent.py</a:t>
-            </a:r>
-            <a:r>
-              <a:rPr lang="en-US" sz="1500">
-                <a:solidFill>
-                  <a:srgbClr val="FFFFFF"/>
-                </a:solidFill>
-                <a:latin typeface="Aptos"/>
-                <a:ea typeface="Aptos"/>
-                <a:cs typeface="Aptos"/>
-                <a:sym typeface="Aptos"/>
-              </a:rPr>
-              <a:t> handles loading the model, tokenizing input, and returning prediction</a:t>
-            </a:r>
-            <a:endParaRPr sz="1500">
-              <a:solidFill>
-                <a:srgbClr val="FFFFFF"/>
-              </a:solidFill>
-              <a:latin typeface="Aptos"/>
-              <a:ea typeface="Aptos"/>
-              <a:cs typeface="Aptos"/>
-              <a:sym typeface="Aptos"/>
-            </a:endParaRPr>
-          </a:p>
-          <a:p>
-            <a:pPr indent="-323850" lvl="1" marL="914400" rtl="0" algn="l">
-              <a:spcBef>
-                <a:spcPts val="0"/>
-              </a:spcBef>
-              <a:spcAft>
-                <a:spcPts val="0"/>
-              </a:spcAft>
-              <a:buClr>
-                <a:srgbClr val="FFFFFF"/>
-              </a:buClr>
-              <a:buSzPts val="1500"/>
-              <a:buFont typeface="Aptos"/>
-              <a:buChar char="○"/>
-            </a:pPr>
-            <a:r>
-              <a:rPr lang="en-US" sz="1500">
-                <a:solidFill>
-                  <a:srgbClr val="FFFFFF"/>
-                </a:solidFill>
-                <a:latin typeface="Aptos"/>
-                <a:ea typeface="Aptos"/>
-                <a:cs typeface="Aptos"/>
-                <a:sym typeface="Aptos"/>
-              </a:rPr>
-              <a:t>Uses Hugging Face's </a:t>
-            </a:r>
-            <a:r>
-              <a:rPr lang="en-US" sz="1500">
-                <a:solidFill>
-                  <a:srgbClr val="FFFFFF"/>
-                </a:solidFill>
-                <a:latin typeface="Roboto Mono"/>
-                <a:ea typeface="Roboto Mono"/>
-                <a:cs typeface="Roboto Mono"/>
-                <a:sym typeface="Roboto Mono"/>
-              </a:rPr>
-              <a:t>AutoModelForSequenceClassification</a:t>
-            </a:r>
-            <a:endParaRPr sz="1500">
-              <a:solidFill>
-                <a:srgbClr val="FFFFFF"/>
-              </a:solidFill>
-              <a:latin typeface="Roboto Mono"/>
-              <a:ea typeface="Roboto Mono"/>
-              <a:cs typeface="Roboto Mono"/>
-              <a:sym typeface="Roboto Mono"/>
-            </a:endParaRPr>
-          </a:p>
-          <a:p>
-            <a:pPr indent="-323850" lvl="1" marL="914400" rtl="0" algn="l">
-              <a:spcBef>
-                <a:spcPts val="0"/>
-              </a:spcBef>
-              <a:spcAft>
-                <a:spcPts val="0"/>
-              </a:spcAft>
-              <a:buClr>
-                <a:srgbClr val="FFFFFF"/>
-              </a:buClr>
-              <a:buSzPts val="1500"/>
-              <a:buFont typeface="Aptos"/>
-              <a:buChar char="○"/>
-            </a:pPr>
-            <a:r>
-              <a:rPr lang="en-US" sz="1500">
-                <a:solidFill>
-                  <a:srgbClr val="FFFFFF"/>
-                </a:solidFill>
-                <a:latin typeface="Aptos"/>
-                <a:ea typeface="Aptos"/>
-                <a:cs typeface="Aptos"/>
-                <a:sym typeface="Aptos"/>
-              </a:rPr>
-              <a:t>Optimized for short-text sentiment classification</a:t>
-            </a:r>
-            <a:endParaRPr sz="1500">
-              <a:solidFill>
-                <a:srgbClr val="FFFFFF"/>
-              </a:solidFill>
-              <a:latin typeface="Aptos"/>
-              <a:ea typeface="Aptos"/>
-              <a:cs typeface="Aptos"/>
-              <a:sym typeface="Aptos"/>
-            </a:endParaRPr>
-          </a:p>
-          <a:p>
-            <a:pPr indent="-323850" lvl="1" marL="914400" rtl="0" algn="l">
-              <a:spcBef>
-                <a:spcPts val="0"/>
-              </a:spcBef>
-              <a:spcAft>
-                <a:spcPts val="0"/>
-              </a:spcAft>
-              <a:buClr>
-                <a:srgbClr val="FFFFFF"/>
-              </a:buClr>
-              <a:buSzPts val="1500"/>
-              <a:buFont typeface="Aptos"/>
-              <a:buChar char="○"/>
-            </a:pPr>
-            <a:r>
-              <a:rPr lang="en-US" sz="1500">
-                <a:solidFill>
-                  <a:srgbClr val="FFFFFF"/>
-                </a:solidFill>
-                <a:latin typeface="Aptos"/>
-                <a:ea typeface="Aptos"/>
-                <a:cs typeface="Aptos"/>
-                <a:sym typeface="Aptos"/>
-              </a:rPr>
-              <a:t>Example Query: </a:t>
-            </a:r>
-            <a:r>
-              <a:rPr i="1" lang="en-US" sz="1500">
-                <a:solidFill>
-                  <a:srgbClr val="FFFFFF"/>
-                </a:solidFill>
-                <a:latin typeface="Aptos"/>
-                <a:ea typeface="Aptos"/>
-                <a:cs typeface="Aptos"/>
-                <a:sym typeface="Aptos"/>
-              </a:rPr>
-              <a:t>"Twitter keeps crashing on my phone."</a:t>
-            </a:r>
-            <a:endParaRPr i="1" sz="1500">
-              <a:solidFill>
-                <a:srgbClr val="FFFFFF"/>
-              </a:solidFill>
-              <a:latin typeface="Aptos"/>
-              <a:ea typeface="Aptos"/>
-              <a:cs typeface="Aptos"/>
-              <a:sym typeface="Aptos"/>
-            </a:endParaRPr>
-          </a:p>
-          <a:p>
-            <a:pPr indent="-323850" lvl="1" marL="914400" rtl="0" algn="l">
-              <a:spcBef>
-                <a:spcPts val="0"/>
-              </a:spcBef>
-              <a:spcAft>
-                <a:spcPts val="0"/>
-              </a:spcAft>
-              <a:buClr>
-                <a:srgbClr val="FFFFFF"/>
-              </a:buClr>
-              <a:buSzPts val="1500"/>
-              <a:buFont typeface="Aptos"/>
-              <a:buChar char="○"/>
-            </a:pPr>
-            <a:r>
-              <a:rPr lang="en-US" sz="1500">
-                <a:solidFill>
-                  <a:srgbClr val="FFFFFF"/>
-                </a:solidFill>
-                <a:latin typeface="Aptos"/>
-                <a:ea typeface="Aptos"/>
-                <a:cs typeface="Aptos"/>
-                <a:sym typeface="Aptos"/>
-              </a:rPr>
-              <a:t>Output: </a:t>
-            </a:r>
-            <a:r>
-              <a:rPr b="1" lang="en-US" sz="1500">
-                <a:solidFill>
-                  <a:srgbClr val="FFFFFF"/>
-                </a:solidFill>
-                <a:latin typeface="Aptos"/>
-                <a:ea typeface="Aptos"/>
-                <a:cs typeface="Aptos"/>
-                <a:sym typeface="Aptos"/>
-              </a:rPr>
-              <a:t>Negative</a:t>
-            </a:r>
-            <a:r>
-              <a:rPr lang="en-US" sz="1500">
-                <a:solidFill>
-                  <a:srgbClr val="FFFFFF"/>
-                </a:solidFill>
-                <a:latin typeface="Aptos"/>
-                <a:ea typeface="Aptos"/>
-                <a:cs typeface="Aptos"/>
-                <a:sym typeface="Aptos"/>
-              </a:rPr>
-              <a:t> sentiment with ~88% classification confidence</a:t>
+              <a:t/>
             </a:r>
             <a:endParaRPr sz="1500">
               <a:solidFill>
@@ -15677,7 +15999,7 @@
           <a:p>
             <a:pPr indent="-323850" lvl="0" marL="457200" rtl="0" algn="l">
               <a:spcBef>
-                <a:spcPts val="0"/>
+                <a:spcPts val="1200"/>
               </a:spcBef>
               <a:spcAft>
                 <a:spcPts val="0"/>
@@ -16471,7 +16793,7 @@
                   <a:srgbClr val="FFFFFF"/>
                 </a:solidFill>
               </a:rPr>
-              <a:t>System Architecture (MCP)</a:t>
+              <a:t>System Architecture (ML Model)</a:t>
             </a:r>
             <a:endParaRPr>
               <a:solidFill>
@@ -16491,7 +16813,7 @@
         </p:nvSpPr>
         <p:spPr>
           <a:xfrm>
-            <a:off x="457200" y="1600200"/>
+            <a:off x="457200" y="1165950"/>
             <a:ext cx="8229600" cy="4526100"/>
           </a:xfrm>
           <a:prstGeom prst="rect">
@@ -16504,7 +16826,7 @@
         </p:spPr>
         <p:txBody>
           <a:bodyPr anchorCtr="0" anchor="t" bIns="45700" lIns="91425" spcFirstLastPara="1" rIns="91425" wrap="square" tIns="45700">
-            <a:normAutofit lnSpcReduction="20000"/>
+            <a:noAutofit/>
           </a:bodyPr>
           <a:lstStyle/>
           <a:p>
@@ -16518,7 +16840,7 @@
               <a:buNone/>
             </a:pPr>
             <a:r>
-              <a:rPr b="1" lang="en-US" sz="1900">
+              <a:rPr b="1" lang="en-US" sz="1600">
                 <a:solidFill>
                   <a:srgbClr val="FFFFFF"/>
                 </a:solidFill>
@@ -16527,9 +16849,9 @@
                 <a:cs typeface="Aptos"/>
                 <a:sym typeface="Aptos"/>
               </a:rPr>
-              <a:t>MCP Client and Server Integration</a:t>
-            </a:r>
-            <a:endParaRPr b="1" sz="1900">
+              <a:t>ML Models</a:t>
+            </a:r>
+            <a:endParaRPr b="1" sz="1600">
               <a:solidFill>
                 <a:srgbClr val="FFFFFF"/>
               </a:solidFill>
@@ -16540,17 +16862,22 @@
             </a:endParaRPr>
           </a:p>
           <a:p>
-            <a:pPr indent="0" lvl="0" marL="0" rtl="0" algn="l">
+            <a:pPr indent="-323850" lvl="1" marL="914400" rtl="0" algn="l">
               <a:spcBef>
                 <a:spcPts val="1200"/>
               </a:spcBef>
               <a:spcAft>
                 <a:spcPts val="0"/>
               </a:spcAft>
-              <a:buNone/>
+              <a:buClr>
+                <a:srgbClr val="FFFFFF"/>
+              </a:buClr>
+              <a:buSzPts val="1500"/>
+              <a:buFont typeface="Aptos"/>
+              <a:buChar char="○"/>
             </a:pPr>
             <a:r>
-              <a:rPr lang="en-US" sz="1800">
+              <a:rPr b="1" lang="en-US" sz="1600">
                 <a:solidFill>
                   <a:srgbClr val="FFFFFF"/>
                 </a:solidFill>
@@ -16559,10 +16886,50 @@
                 <a:cs typeface="Aptos"/>
                 <a:sym typeface="Aptos"/>
               </a:rPr>
-              <a:t>The system is structured such that the MCP server listens for function calls from agent clients. MCP clients act as wrappers for the agents and route communication using either standard input/output (for terminal-based tools) or HTTP. The client uses schema definitions and registered MCP decorators (</a:t>
-            </a:r>
-            <a:r>
-              <a:rPr lang="en-US" sz="1800">
+              <a:t>Routing Agent </a:t>
+            </a:r>
+            <a:r>
+              <a:rPr lang="en-US" sz="1200">
+                <a:solidFill>
+                  <a:srgbClr val="000000"/>
+                </a:solidFill>
+                <a:latin typeface="Aptos"/>
+                <a:ea typeface="Aptos"/>
+                <a:cs typeface="Aptos"/>
+                <a:sym typeface="Aptos"/>
+              </a:rPr>
+              <a:t>Uses keyword classification or sentence embeddings to identify target agent</a:t>
+            </a:r>
+            <a:endParaRPr sz="1200">
+              <a:solidFill>
+                <a:srgbClr val="000000"/>
+              </a:solidFill>
+              <a:latin typeface="Aptos"/>
+              <a:ea typeface="Aptos"/>
+              <a:cs typeface="Aptos"/>
+              <a:sym typeface="Aptos"/>
+            </a:endParaRPr>
+          </a:p>
+          <a:p>
+            <a:pPr indent="-330200" lvl="0" marL="457200" rtl="0" algn="l">
+              <a:lnSpc>
+                <a:spcPct val="100000"/>
+              </a:lnSpc>
+              <a:spcBef>
+                <a:spcPts val="0"/>
+              </a:spcBef>
+              <a:spcAft>
+                <a:spcPts val="0"/>
+              </a:spcAft>
+              <a:buClr>
+                <a:srgbClr val="FFFFFF"/>
+              </a:buClr>
+              <a:buSzPts val="1600"/>
+              <a:buFont typeface="Aptos"/>
+              <a:buChar char="●"/>
+            </a:pPr>
+            <a:r>
+              <a:rPr lang="en-US" sz="1600">
                 <a:solidFill>
                   <a:srgbClr val="FFFFFF"/>
                 </a:solidFill>
@@ -16571,10 +16938,10 @@
                 <a:cs typeface="Roboto Mono"/>
                 <a:sym typeface="Roboto Mono"/>
               </a:rPr>
-              <a:t>@mcp.tool</a:t>
-            </a:r>
-            <a:r>
-              <a:rPr lang="en-US" sz="1800">
+              <a:t>a2a_main.py</a:t>
+            </a:r>
+            <a:r>
+              <a:rPr lang="en-US" sz="1600">
                 <a:solidFill>
                   <a:srgbClr val="FFFFFF"/>
                 </a:solidFill>
@@ -16583,9 +16950,33 @@
                 <a:cs typeface="Aptos"/>
                 <a:sym typeface="Aptos"/>
               </a:rPr>
-              <a:t>) to facilitate execution.</a:t>
-            </a:r>
-            <a:endParaRPr sz="1800">
+              <a:t> uses </a:t>
+            </a:r>
+            <a:r>
+              <a:rPr lang="en-US" sz="1600">
+                <a:solidFill>
+                  <a:srgbClr val="FFFFFF"/>
+                </a:solidFill>
+                <a:latin typeface="Roboto Mono"/>
+                <a:ea typeface="Roboto Mono"/>
+                <a:cs typeface="Roboto Mono"/>
+                <a:sym typeface="Roboto Mono"/>
+              </a:rPr>
+              <a:t>mcp.call(tool_name, input)</a:t>
+            </a:r>
+            <a:r>
+              <a:rPr lang="en-US" sz="1600">
+                <a:solidFill>
+                  <a:srgbClr val="FFFFFF"/>
+                </a:solidFill>
+                <a:latin typeface="Aptos"/>
+                <a:ea typeface="Aptos"/>
+                <a:cs typeface="Aptos"/>
+                <a:sym typeface="Aptos"/>
+              </a:rPr>
+              <a:t> to route user query</a:t>
+            </a:r>
+            <a:endParaRPr sz="1600">
               <a:solidFill>
                 <a:srgbClr val="FFFFFF"/>
               </a:solidFill>
@@ -16596,9 +16987,12 @@
             </a:endParaRPr>
           </a:p>
           <a:p>
-            <a:pPr indent="-342900" lvl="0" marL="457200" rtl="0" algn="l">
-              <a:spcBef>
-                <a:spcPts val="1200"/>
+            <a:pPr indent="-330200" lvl="0" marL="457200" rtl="0" algn="l">
+              <a:lnSpc>
+                <a:spcPct val="100000"/>
+              </a:lnSpc>
+              <a:spcBef>
+                <a:spcPts val="0"/>
               </a:spcBef>
               <a:spcAft>
                 <a:spcPts val="0"/>
@@ -16606,12 +17000,12 @@
               <a:buClr>
                 <a:srgbClr val="FFFFFF"/>
               </a:buClr>
-              <a:buSzPts val="1800"/>
+              <a:buSzPts val="1600"/>
               <a:buFont typeface="Aptos"/>
               <a:buChar char="●"/>
             </a:pPr>
             <a:r>
-              <a:rPr b="1" lang="en-US" sz="1800">
+              <a:rPr lang="en-US" sz="1600">
                 <a:solidFill>
                   <a:srgbClr val="FFFFFF"/>
                 </a:solidFill>
@@ -16620,10 +17014,10 @@
                 <a:cs typeface="Aptos"/>
                 <a:sym typeface="Aptos"/>
               </a:rPr>
-              <a:t>MCP Server</a:t>
-            </a:r>
-            <a:r>
-              <a:rPr lang="en-US" sz="1800">
+              <a:t>Routing Accuracy observed: </a:t>
+            </a:r>
+            <a:r>
+              <a:rPr b="1" lang="en-US" sz="1600">
                 <a:solidFill>
                   <a:srgbClr val="FFFFFF"/>
                 </a:solidFill>
@@ -16632,9 +17026,21 @@
                 <a:cs typeface="Aptos"/>
                 <a:sym typeface="Aptos"/>
               </a:rPr>
-              <a:t>: Hosts service registration, manages message routing, handles execution lifecycle.</a:t>
-            </a:r>
-            <a:endParaRPr sz="1800">
+              <a:t>100%</a:t>
+            </a:r>
+            <a:r>
+              <a:rPr lang="en-US" sz="1600">
+                <a:solidFill>
+                  <a:srgbClr val="FFFFFF"/>
+                </a:solidFill>
+                <a:latin typeface="Aptos"/>
+                <a:ea typeface="Aptos"/>
+                <a:cs typeface="Aptos"/>
+                <a:sym typeface="Aptos"/>
+              </a:rPr>
+              <a:t> in test samples</a:t>
+            </a:r>
+            <a:endParaRPr b="1" sz="2000">
               <a:solidFill>
                 <a:srgbClr val="FFFFFF"/>
               </a:solidFill>
@@ -16645,45 +17051,19 @@
             </a:endParaRPr>
           </a:p>
           <a:p>
-            <a:pPr indent="-342900" lvl="0" marL="457200" rtl="0" algn="l">
-              <a:spcBef>
-                <a:spcPts val="0"/>
-              </a:spcBef>
-              <a:spcAft>
-                <a:spcPts val="0"/>
-              </a:spcAft>
-              <a:buClr>
-                <a:srgbClr val="FFFFFF"/>
-              </a:buClr>
-              <a:buSzPts val="1800"/>
-              <a:buFont typeface="Aptos"/>
-              <a:buChar char="●"/>
+            <a:pPr indent="-228600" lvl="0" marL="457200" rtl="0" algn="l">
+              <a:spcBef>
+                <a:spcPts val="1400"/>
+              </a:spcBef>
+              <a:spcAft>
+                <a:spcPts val="0"/>
+              </a:spcAft>
+              <a:buNone/>
             </a:pPr>
             <a:r>
-              <a:rPr b="1" lang="en-US" sz="1800">
-                <a:solidFill>
-                  <a:srgbClr val="FFFFFF"/>
-                </a:solidFill>
-                <a:latin typeface="Aptos"/>
-                <a:ea typeface="Aptos"/>
-                <a:cs typeface="Aptos"/>
-                <a:sym typeface="Aptos"/>
-              </a:rPr>
-              <a:t>MCP Client</a:t>
-            </a:r>
-            <a:r>
-              <a:rPr lang="en-US" sz="1800">
-                <a:solidFill>
-                  <a:srgbClr val="FFFFFF"/>
-                </a:solidFill>
-                <a:latin typeface="Aptos"/>
-                <a:ea typeface="Aptos"/>
-                <a:cs typeface="Aptos"/>
-                <a:sym typeface="Aptos"/>
-              </a:rPr>
-              <a:t>: Sends query via CLI or embedded API (e.g., FastMCP.run("tool_name", input))</a:t>
-            </a:r>
-            <a:endParaRPr sz="1800">
+              <a:t/>
+            </a:r>
+            <a:endParaRPr b="1" sz="1600">
               <a:solidFill>
                 <a:srgbClr val="FFFFFF"/>
               </a:solidFill>
@@ -16694,9 +17074,9 @@
             </a:endParaRPr>
           </a:p>
           <a:p>
-            <a:pPr indent="-342900" lvl="0" marL="457200" rtl="0" algn="l">
-              <a:spcBef>
-                <a:spcPts val="0"/>
+            <a:pPr indent="-323850" lvl="0" marL="457200" rtl="0" algn="l">
+              <a:spcBef>
+                <a:spcPts val="1200"/>
               </a:spcBef>
               <a:spcAft>
                 <a:spcPts val="0"/>
@@ -16704,12 +17084,12 @@
               <a:buClr>
                 <a:srgbClr val="FFFFFF"/>
               </a:buClr>
-              <a:buSzPts val="1800"/>
+              <a:buSzPts val="1500"/>
               <a:buFont typeface="Aptos"/>
               <a:buChar char="●"/>
             </a:pPr>
             <a:r>
-              <a:rPr b="1" lang="en-US" sz="1800">
+              <a:rPr lang="en-US" sz="1500">
                 <a:solidFill>
                   <a:srgbClr val="FFFFFF"/>
                 </a:solidFill>
@@ -16718,10 +17098,47 @@
                 <a:cs typeface="Aptos"/>
                 <a:sym typeface="Aptos"/>
               </a:rPr>
-              <a:t>Embedding Support</a:t>
-            </a:r>
-            <a:r>
-              <a:rPr lang="en-US" sz="1800">
+              <a:t>Uses keyword classification or sentence embeddings to identify target agent</a:t>
+            </a:r>
+            <a:endParaRPr sz="1500">
+              <a:solidFill>
+                <a:srgbClr val="FFFFFF"/>
+              </a:solidFill>
+              <a:latin typeface="Aptos"/>
+              <a:ea typeface="Aptos"/>
+              <a:cs typeface="Aptos"/>
+              <a:sym typeface="Aptos"/>
+            </a:endParaRPr>
+          </a:p>
+          <a:p>
+            <a:pPr indent="-323850" lvl="0" marL="457200" rtl="0" algn="l">
+              <a:spcBef>
+                <a:spcPts val="0"/>
+              </a:spcBef>
+              <a:spcAft>
+                <a:spcPts val="0"/>
+              </a:spcAft>
+              <a:buClr>
+                <a:srgbClr val="FFFFFF"/>
+              </a:buClr>
+              <a:buSzPts val="1500"/>
+              <a:buFont typeface="Aptos"/>
+              <a:buChar char="●"/>
+            </a:pPr>
+            <a:r>
+              <a:rPr lang="en-US" sz="1500">
+                <a:solidFill>
+                  <a:srgbClr val="FFFFFF"/>
+                </a:solidFill>
+                <a:latin typeface="Roboto Mono"/>
+                <a:ea typeface="Roboto Mono"/>
+                <a:cs typeface="Roboto Mono"/>
+                <a:sym typeface="Roboto Mono"/>
+              </a:rPr>
+              <a:t>a2a_main.py</a:t>
+            </a:r>
+            <a:r>
+              <a:rPr lang="en-US" sz="1500">
                 <a:solidFill>
                   <a:srgbClr val="FFFFFF"/>
                 </a:solidFill>
@@ -16730,9 +17147,94 @@
                 <a:cs typeface="Aptos"/>
                 <a:sym typeface="Aptos"/>
               </a:rPr>
-              <a:t>: For routing, sentence transformers or keyword-based vector encoders are used to transform queries into semantic space and match the most appropriate agent.</a:t>
-            </a:r>
-            <a:endParaRPr sz="1800">
+              <a:t> uses </a:t>
+            </a:r>
+            <a:r>
+              <a:rPr lang="en-US" sz="1500">
+                <a:solidFill>
+                  <a:srgbClr val="FFFFFF"/>
+                </a:solidFill>
+                <a:latin typeface="Roboto Mono"/>
+                <a:ea typeface="Roboto Mono"/>
+                <a:cs typeface="Roboto Mono"/>
+                <a:sym typeface="Roboto Mono"/>
+              </a:rPr>
+              <a:t>mcp.call(tool_name, input)</a:t>
+            </a:r>
+            <a:r>
+              <a:rPr lang="en-US" sz="1500">
+                <a:solidFill>
+                  <a:srgbClr val="FFFFFF"/>
+                </a:solidFill>
+                <a:latin typeface="Aptos"/>
+                <a:ea typeface="Aptos"/>
+                <a:cs typeface="Aptos"/>
+                <a:sym typeface="Aptos"/>
+              </a:rPr>
+              <a:t> to route user query</a:t>
+            </a:r>
+            <a:endParaRPr sz="1500">
+              <a:solidFill>
+                <a:srgbClr val="FFFFFF"/>
+              </a:solidFill>
+              <a:latin typeface="Aptos"/>
+              <a:ea typeface="Aptos"/>
+              <a:cs typeface="Aptos"/>
+              <a:sym typeface="Aptos"/>
+            </a:endParaRPr>
+          </a:p>
+          <a:p>
+            <a:pPr indent="-323850" lvl="0" marL="457200" rtl="0" algn="l">
+              <a:spcBef>
+                <a:spcPts val="0"/>
+              </a:spcBef>
+              <a:spcAft>
+                <a:spcPts val="0"/>
+              </a:spcAft>
+              <a:buClr>
+                <a:srgbClr val="FFFFFF"/>
+              </a:buClr>
+              <a:buSzPts val="1500"/>
+              <a:buFont typeface="Aptos"/>
+              <a:buChar char="●"/>
+            </a:pPr>
+            <a:r>
+              <a:rPr lang="en-US" sz="1500">
+                <a:solidFill>
+                  <a:srgbClr val="FFFFFF"/>
+                </a:solidFill>
+                <a:latin typeface="Aptos"/>
+                <a:ea typeface="Aptos"/>
+                <a:cs typeface="Aptos"/>
+                <a:sym typeface="Aptos"/>
+              </a:rPr>
+              <a:t>Routing Accuracy observed: </a:t>
+            </a:r>
+            <a:r>
+              <a:rPr b="1" lang="en-US" sz="1500">
+                <a:solidFill>
+                  <a:srgbClr val="FFFFFF"/>
+                </a:solidFill>
+                <a:latin typeface="Aptos"/>
+                <a:ea typeface="Aptos"/>
+                <a:cs typeface="Aptos"/>
+                <a:sym typeface="Aptos"/>
+              </a:rPr>
+              <a:t>100%</a:t>
+            </a:r>
+            <a:r>
+              <a:rPr lang="en-US" sz="1500">
+                <a:solidFill>
+                  <a:srgbClr val="FFFFFF"/>
+                </a:solidFill>
+                <a:latin typeface="Aptos"/>
+                <a:ea typeface="Aptos"/>
+                <a:cs typeface="Aptos"/>
+                <a:sym typeface="Aptos"/>
+              </a:rPr>
+              <a:t> in test samples</a:t>
+            </a:r>
+            <a:endParaRPr b="1" sz="2500">
               <a:solidFill>
                 <a:srgbClr val="FFFFFF"/>
               </a:solidFill>
